--- a/넷겜플 1팀 텀프로젝트 추진계획서.pptx
+++ b/넷겜플 1팀 텀프로젝트 추진계획서.pptx
@@ -326,7 +326,7 @@
             <a:fld id="{8E36636D-D922-432D-A958-524484B5923D}" type="datetimeFigureOut">
               <a:rPr lang="en-US" dirty="0"/>
               <a:pPr/>
-              <a:t>10/28/2023</a:t>
+              <a:t>10/31/2023</a:t>
             </a:fld>
             <a:endParaRPr lang="en-US" dirty="0"/>
           </a:p>
@@ -620,7 +620,7 @@
           <a:p>
             <a:fld id="{48A87A34-81AB-432B-8DAE-1953F412C126}" type="datetimeFigureOut">
               <a:rPr lang="en-US" dirty="0"/>
-              <a:t>10/28/2023</a:t>
+              <a:t>10/31/2023</a:t>
             </a:fld>
             <a:endParaRPr lang="en-US" dirty="0"/>
           </a:p>
@@ -807,7 +807,7 @@
           <a:p>
             <a:fld id="{48A87A34-81AB-432B-8DAE-1953F412C126}" type="datetimeFigureOut">
               <a:rPr lang="en-US" dirty="0"/>
-              <a:t>10/28/2023</a:t>
+              <a:t>10/31/2023</a:t>
             </a:fld>
             <a:endParaRPr lang="en-US" dirty="0"/>
           </a:p>
@@ -1063,7 +1063,7 @@
           <a:p>
             <a:fld id="{48A87A34-81AB-432B-8DAE-1953F412C126}" type="datetimeFigureOut">
               <a:rPr lang="en-US" dirty="0"/>
-              <a:t>10/28/2023</a:t>
+              <a:t>10/31/2023</a:t>
             </a:fld>
             <a:endParaRPr lang="en-US" dirty="0"/>
           </a:p>
@@ -1482,7 +1482,7 @@
           <a:p>
             <a:fld id="{48A87A34-81AB-432B-8DAE-1953F412C126}" type="datetimeFigureOut">
               <a:rPr lang="en-US" dirty="0"/>
-              <a:t>10/28/2023</a:t>
+              <a:t>10/31/2023</a:t>
             </a:fld>
             <a:endParaRPr lang="en-US" dirty="0"/>
           </a:p>
@@ -2014,7 +2014,7 @@
           <a:p>
             <a:fld id="{48A87A34-81AB-432B-8DAE-1953F412C126}" type="datetimeFigureOut">
               <a:rPr lang="en-US" dirty="0"/>
-              <a:t>10/28/2023</a:t>
+              <a:t>10/31/2023</a:t>
             </a:fld>
             <a:endParaRPr lang="en-US" dirty="0"/>
           </a:p>
@@ -2873,7 +2873,7 @@
           <a:p>
             <a:fld id="{48A87A34-81AB-432B-8DAE-1953F412C126}" type="datetimeFigureOut">
               <a:rPr lang="en-US" dirty="0"/>
-              <a:t>10/28/2023</a:t>
+              <a:t>10/31/2023</a:t>
             </a:fld>
             <a:endParaRPr lang="en-US" dirty="0"/>
           </a:p>
@@ -3039,7 +3039,7 @@
             <a:fld id="{8E36636D-D922-432D-A958-524484B5923D}" type="datetimeFigureOut">
               <a:rPr lang="en-US" dirty="0"/>
               <a:pPr/>
-              <a:t>10/28/2023</a:t>
+              <a:t>10/31/2023</a:t>
             </a:fld>
             <a:endParaRPr lang="en-US" dirty="0"/>
           </a:p>
@@ -3220,7 +3220,7 @@
             <a:fld id="{8E36636D-D922-432D-A958-524484B5923D}" type="datetimeFigureOut">
               <a:rPr lang="en-US" dirty="0"/>
               <a:pPr/>
-              <a:t>10/28/2023</a:t>
+              <a:t>10/31/2023</a:t>
             </a:fld>
             <a:endParaRPr lang="en-US" dirty="0"/>
           </a:p>
@@ -3387,7 +3387,7 @@
             <a:fld id="{8E36636D-D922-432D-A958-524484B5923D}" type="datetimeFigureOut">
               <a:rPr lang="en-US" dirty="0"/>
               <a:pPr/>
-              <a:t>10/28/2023</a:t>
+              <a:t>10/31/2023</a:t>
             </a:fld>
             <a:endParaRPr lang="en-US" dirty="0"/>
           </a:p>
@@ -3628,7 +3628,7 @@
             <a:fld id="{8E36636D-D922-432D-A958-524484B5923D}" type="datetimeFigureOut">
               <a:rPr lang="en-US" dirty="0"/>
               <a:pPr/>
-              <a:t>10/28/2023</a:t>
+              <a:t>10/31/2023</a:t>
             </a:fld>
             <a:endParaRPr lang="en-US" dirty="0"/>
           </a:p>
@@ -3861,7 +3861,7 @@
             <a:fld id="{8E36636D-D922-432D-A958-524484B5923D}" type="datetimeFigureOut">
               <a:rPr lang="en-US" dirty="0"/>
               <a:pPr/>
-              <a:t>10/28/2023</a:t>
+              <a:t>10/31/2023</a:t>
             </a:fld>
             <a:endParaRPr lang="en-US" dirty="0"/>
           </a:p>
@@ -4324,7 +4324,7 @@
             <a:fld id="{8E36636D-D922-432D-A958-524484B5923D}" type="datetimeFigureOut">
               <a:rPr lang="en-US" dirty="0"/>
               <a:pPr/>
-              <a:t>10/28/2023</a:t>
+              <a:t>10/31/2023</a:t>
             </a:fld>
             <a:endParaRPr lang="en-US" dirty="0"/>
           </a:p>
@@ -4439,7 +4439,7 @@
             <a:fld id="{8E36636D-D922-432D-A958-524484B5923D}" type="datetimeFigureOut">
               <a:rPr lang="en-US" dirty="0"/>
               <a:pPr/>
-              <a:t>10/28/2023</a:t>
+              <a:t>10/31/2023</a:t>
             </a:fld>
             <a:endParaRPr lang="en-US" dirty="0"/>
           </a:p>
@@ -4531,7 +4531,7 @@
             <a:fld id="{8E36636D-D922-432D-A958-524484B5923D}" type="datetimeFigureOut">
               <a:rPr lang="en-US" dirty="0"/>
               <a:pPr/>
-              <a:t>10/28/2023</a:t>
+              <a:t>10/31/2023</a:t>
             </a:fld>
             <a:endParaRPr lang="en-US" dirty="0"/>
           </a:p>
@@ -4783,7 +4783,7 @@
             <a:fld id="{8E36636D-D922-432D-A958-524484B5923D}" type="datetimeFigureOut">
               <a:rPr lang="en-US" dirty="0"/>
               <a:pPr/>
-              <a:t>10/28/2023</a:t>
+              <a:t>10/31/2023</a:t>
             </a:fld>
             <a:endParaRPr lang="en-US" dirty="0"/>
           </a:p>
@@ -5080,7 +5080,7 @@
             <a:fld id="{8E36636D-D922-432D-A958-524484B5923D}" type="datetimeFigureOut">
               <a:rPr lang="en-US" dirty="0"/>
               <a:pPr/>
-              <a:t>10/28/2023</a:t>
+              <a:t>10/31/2023</a:t>
             </a:fld>
             <a:endParaRPr lang="en-US" dirty="0"/>
           </a:p>
@@ -5311,7 +5311,7 @@
             <a:fld id="{8E36636D-D922-432D-A958-524484B5923D}" type="datetimeFigureOut">
               <a:rPr lang="en-US" dirty="0"/>
               <a:pPr/>
-              <a:t>10/28/2023</a:t>
+              <a:t>10/31/2023</a:t>
             </a:fld>
             <a:endParaRPr lang="en-US" dirty="0"/>
           </a:p>
@@ -6018,23 +6018,77 @@
         </p:nvSpPr>
         <p:spPr>
           <a:xfrm>
-            <a:off x="1377102" y="4349187"/>
+            <a:off x="1447701" y="1430746"/>
             <a:ext cx="9440034" cy="1088336"/>
           </a:xfrm>
         </p:spPr>
         <p:txBody>
           <a:bodyPr>
-            <a:normAutofit/>
+            <a:normAutofit fontScale="90000"/>
           </a:bodyPr>
           <a:lstStyle/>
           <a:p>
             <a:pPr algn="l"/>
-            <a:endParaRPr lang="ko-KR" altLang="en-US" sz="4800" dirty="0">
-              <a:solidFill>
-                <a:schemeClr val="tx1"/>
-              </a:solidFill>
-              <a:latin typeface="Nordique Inline" panose="020F0502020204030204" pitchFamily="2" charset="0"/>
-            </a:endParaRPr>
+            <a:r>
+              <a:rPr lang="ko-KR" altLang="en-US" sz="4800" dirty="0" err="1">
+                <a:solidFill>
+                  <a:schemeClr val="tx1"/>
+                </a:solidFill>
+                <a:latin typeface="휴먼엑스포" panose="02030504000101010101" pitchFamily="18" charset="-127"/>
+                <a:ea typeface="휴먼엑스포" panose="02030504000101010101" pitchFamily="18" charset="-127"/>
+              </a:rPr>
+              <a:t>넷겜플</a:t>
+            </a:r>
+            <a:r>
+              <a:rPr lang="ko-KR" altLang="en-US" sz="4800" dirty="0">
+                <a:solidFill>
+                  <a:schemeClr val="tx1"/>
+                </a:solidFill>
+                <a:latin typeface="휴먼엑스포" panose="02030504000101010101" pitchFamily="18" charset="-127"/>
+                <a:ea typeface="휴먼엑스포" panose="02030504000101010101" pitchFamily="18" charset="-127"/>
+              </a:rPr>
+              <a:t> </a:t>
+            </a:r>
+            <a:r>
+              <a:rPr lang="en-US" altLang="ko-KR" sz="4800" dirty="0">
+                <a:solidFill>
+                  <a:schemeClr val="tx1"/>
+                </a:solidFill>
+                <a:latin typeface="휴먼엑스포" panose="02030504000101010101" pitchFamily="18" charset="-127"/>
+                <a:ea typeface="휴먼엑스포" panose="02030504000101010101" pitchFamily="18" charset="-127"/>
+              </a:rPr>
+              <a:t>1</a:t>
+            </a:r>
+            <a:r>
+              <a:rPr lang="ko-KR" altLang="en-US" sz="4800" dirty="0">
+                <a:solidFill>
+                  <a:schemeClr val="tx1"/>
+                </a:solidFill>
+                <a:latin typeface="휴먼엑스포" panose="02030504000101010101" pitchFamily="18" charset="-127"/>
+                <a:ea typeface="휴먼엑스포" panose="02030504000101010101" pitchFamily="18" charset="-127"/>
+              </a:rPr>
+              <a:t>팀 </a:t>
+            </a:r>
+            <a:r>
+              <a:rPr lang="ko-KR" altLang="en-US" sz="4800" dirty="0" err="1">
+                <a:solidFill>
+                  <a:schemeClr val="tx1"/>
+                </a:solidFill>
+                <a:latin typeface="휴먼엑스포" panose="02030504000101010101" pitchFamily="18" charset="-127"/>
+                <a:ea typeface="휴먼엑스포" panose="02030504000101010101" pitchFamily="18" charset="-127"/>
+              </a:rPr>
+              <a:t>텀프로젝트</a:t>
+            </a:r>
+            <a:r>
+              <a:rPr lang="ko-KR" altLang="en-US" sz="4800" dirty="0">
+                <a:solidFill>
+                  <a:schemeClr val="tx1"/>
+                </a:solidFill>
+                <a:latin typeface="휴먼엑스포" panose="02030504000101010101" pitchFamily="18" charset="-127"/>
+                <a:ea typeface="휴먼엑스포" panose="02030504000101010101" pitchFamily="18" charset="-127"/>
+              </a:rPr>
+              <a:t> 추진계획서</a:t>
+            </a:r>
           </a:p>
         </p:txBody>
       </p:sp>
@@ -6097,205 +6151,36 @@
           <p:nvPr>
             <p:extLst>
               <p:ext uri="{D42A27DB-BD31-4B8C-83A1-F6EECF244321}">
-                <p14:modId xmlns:p14="http://schemas.microsoft.com/office/powerpoint/2010/main" val="1804279320"/>
+                <p14:modId xmlns:p14="http://schemas.microsoft.com/office/powerpoint/2010/main" val="163917910"/>
               </p:ext>
             </p:extLst>
           </p:nvPr>
         </p:nvGraphicFramePr>
         <p:xfrm>
-          <a:off x="321923" y="5713312"/>
-          <a:ext cx="11537574" cy="670560"/>
+          <a:off x="327212" y="5082464"/>
+          <a:ext cx="11537574" cy="1341120"/>
         </p:xfrm>
         <a:graphic>
           <a:graphicData uri="http://schemas.openxmlformats.org/drawingml/2006/table">
             <a:tbl>
               <a:tblPr firstRow="1" bandRow="1"/>
               <a:tblGrid>
-                <a:gridCol w="1922929">
+                <a:gridCol w="5768787">
                   <a:extLst>
                     <a:ext uri="{9D8B030D-6E8A-4147-A177-3AD203B41FA5}">
                       <a16:colId xmlns:a16="http://schemas.microsoft.com/office/drawing/2014/main" val="130626881"/>
                     </a:ext>
                   </a:extLst>
                 </a:gridCol>
-                <a:gridCol w="1922929">
-                  <a:extLst>
-                    <a:ext uri="{9D8B030D-6E8A-4147-A177-3AD203B41FA5}">
-                      <a16:colId xmlns:a16="http://schemas.microsoft.com/office/drawing/2014/main" val="3731087813"/>
-                    </a:ext>
-                  </a:extLst>
-                </a:gridCol>
-                <a:gridCol w="1922929">
-                  <a:extLst>
-                    <a:ext uri="{9D8B030D-6E8A-4147-A177-3AD203B41FA5}">
-                      <a16:colId xmlns:a16="http://schemas.microsoft.com/office/drawing/2014/main" val="2450912205"/>
-                    </a:ext>
-                  </a:extLst>
-                </a:gridCol>
-                <a:gridCol w="1922929">
+                <a:gridCol w="5768787">
                   <a:extLst>
                     <a:ext uri="{9D8B030D-6E8A-4147-A177-3AD203B41FA5}">
                       <a16:colId xmlns:a16="http://schemas.microsoft.com/office/drawing/2014/main" val="1594162199"/>
                     </a:ext>
                   </a:extLst>
                 </a:gridCol>
-                <a:gridCol w="1922929">
-                  <a:extLst>
-                    <a:ext uri="{9D8B030D-6E8A-4147-A177-3AD203B41FA5}">
-                      <a16:colId xmlns:a16="http://schemas.microsoft.com/office/drawing/2014/main" val="3731992850"/>
-                    </a:ext>
-                  </a:extLst>
-                </a:gridCol>
-                <a:gridCol w="1922929">
-                  <a:extLst>
-                    <a:ext uri="{9D8B030D-6E8A-4147-A177-3AD203B41FA5}">
-                      <a16:colId xmlns:a16="http://schemas.microsoft.com/office/drawing/2014/main" val="2588421109"/>
-                    </a:ext>
-                  </a:extLst>
-                </a:gridCol>
               </a:tblGrid>
               <a:tr h="0">
-                <a:tc>
-                  <a:txBody>
-                    <a:bodyPr/>
-                    <a:lstStyle>
-                      <a:lvl1pPr marL="0" algn="l" defTabSz="457200" rtl="0" eaLnBrk="1" latinLnBrk="1" hangingPunct="1">
-                        <a:defRPr sz="1800" b="1" kern="1200">
-                          <a:solidFill>
-                            <a:schemeClr val="tx1"/>
-                          </a:solidFill>
-                          <a:latin typeface="Corbel"/>
-                        </a:defRPr>
-                      </a:lvl1pPr>
-                      <a:lvl2pPr marL="457200" algn="l" defTabSz="457200" rtl="0" eaLnBrk="1" latinLnBrk="1" hangingPunct="1">
-                        <a:defRPr sz="1800" b="1" kern="1200">
-                          <a:solidFill>
-                            <a:schemeClr val="tx1"/>
-                          </a:solidFill>
-                          <a:latin typeface="Corbel"/>
-                        </a:defRPr>
-                      </a:lvl2pPr>
-                      <a:lvl3pPr marL="914400" algn="l" defTabSz="457200" rtl="0" eaLnBrk="1" latinLnBrk="1" hangingPunct="1">
-                        <a:defRPr sz="1800" b="1" kern="1200">
-                          <a:solidFill>
-                            <a:schemeClr val="tx1"/>
-                          </a:solidFill>
-                          <a:latin typeface="Corbel"/>
-                        </a:defRPr>
-                      </a:lvl3pPr>
-                      <a:lvl4pPr marL="1371600" algn="l" defTabSz="457200" rtl="0" eaLnBrk="1" latinLnBrk="1" hangingPunct="1">
-                        <a:defRPr sz="1800" b="1" kern="1200">
-                          <a:solidFill>
-                            <a:schemeClr val="tx1"/>
-                          </a:solidFill>
-                          <a:latin typeface="Corbel"/>
-                        </a:defRPr>
-                      </a:lvl4pPr>
-                      <a:lvl5pPr marL="1828800" algn="l" defTabSz="457200" rtl="0" eaLnBrk="1" latinLnBrk="1" hangingPunct="1">
-                        <a:defRPr sz="1800" b="1" kern="1200">
-                          <a:solidFill>
-                            <a:schemeClr val="tx1"/>
-                          </a:solidFill>
-                          <a:latin typeface="Corbel"/>
-                        </a:defRPr>
-                      </a:lvl5pPr>
-                      <a:lvl6pPr marL="2286000" algn="l" defTabSz="457200" rtl="0" eaLnBrk="1" latinLnBrk="1" hangingPunct="1">
-                        <a:defRPr sz="1800" b="1" kern="1200">
-                          <a:solidFill>
-                            <a:schemeClr val="tx1"/>
-                          </a:solidFill>
-                          <a:latin typeface="Corbel"/>
-                        </a:defRPr>
-                      </a:lvl6pPr>
-                      <a:lvl7pPr marL="2743200" algn="l" defTabSz="457200" rtl="0" eaLnBrk="1" latinLnBrk="1" hangingPunct="1">
-                        <a:defRPr sz="1800" b="1" kern="1200">
-                          <a:solidFill>
-                            <a:schemeClr val="tx1"/>
-                          </a:solidFill>
-                          <a:latin typeface="Corbel"/>
-                        </a:defRPr>
-                      </a:lvl7pPr>
-                      <a:lvl8pPr marL="3200400" algn="l" defTabSz="457200" rtl="0" eaLnBrk="1" latinLnBrk="1" hangingPunct="1">
-                        <a:defRPr sz="1800" b="1" kern="1200">
-                          <a:solidFill>
-                            <a:schemeClr val="tx1"/>
-                          </a:solidFill>
-                          <a:latin typeface="Corbel"/>
-                        </a:defRPr>
-                      </a:lvl8pPr>
-                      <a:lvl9pPr marL="3657600" algn="l" defTabSz="457200" rtl="0" eaLnBrk="1" latinLnBrk="1" hangingPunct="1">
-                        <a:defRPr sz="1800" b="1" kern="1200">
-                          <a:solidFill>
-                            <a:schemeClr val="tx1"/>
-                          </a:solidFill>
-                          <a:latin typeface="Corbel"/>
-                        </a:defRPr>
-                      </a:lvl9pPr>
-                    </a:lstStyle>
-                    <a:p>
-                      <a:pPr algn="ctr" latinLnBrk="1"/>
-                      <a:r>
-                        <a:rPr lang="ko-KR" altLang="en-US" sz="1600" dirty="0">
-                          <a:solidFill>
-                            <a:schemeClr val="bg1"/>
-                          </a:solidFill>
-                          <a:latin typeface="HY견고딕" panose="02030600000101010101" pitchFamily="18" charset="-127"/>
-                          <a:ea typeface="HY견고딕" panose="02030600000101010101" pitchFamily="18" charset="-127"/>
-                        </a:rPr>
-                        <a:t>분반</a:t>
-                      </a:r>
-                    </a:p>
-                  </a:txBody>
-                  <a:tcPr>
-                    <a:lnL w="76200" cap="flat" cmpd="sng" algn="ctr">
-                      <a:solidFill>
-                        <a:sysClr val="windowText" lastClr="000000"/>
-                      </a:solidFill>
-                      <a:prstDash val="solid"/>
-                      <a:round/>
-                      <a:headEnd type="none" w="med" len="med"/>
-                      <a:tailEnd type="none" w="med" len="med"/>
-                    </a:lnL>
-                    <a:lnR w="76200" cap="flat" cmpd="sng" algn="ctr">
-                      <a:solidFill>
-                        <a:sysClr val="windowText" lastClr="000000"/>
-                      </a:solidFill>
-                      <a:prstDash val="solid"/>
-                      <a:round/>
-                      <a:headEnd type="none" w="med" len="med"/>
-                      <a:tailEnd type="none" w="med" len="med"/>
-                    </a:lnR>
-                    <a:lnT w="76200" cap="flat" cmpd="sng" algn="ctr">
-                      <a:solidFill>
-                        <a:sysClr val="windowText" lastClr="000000"/>
-                      </a:solidFill>
-                      <a:prstDash val="solid"/>
-                      <a:round/>
-                      <a:headEnd type="none" w="med" len="med"/>
-                      <a:tailEnd type="none" w="med" len="med"/>
-                    </a:lnT>
-                    <a:lnB w="76200" cap="flat" cmpd="sng" algn="ctr">
-                      <a:solidFill>
-                        <a:sysClr val="windowText" lastClr="000000"/>
-                      </a:solidFill>
-                      <a:prstDash val="solid"/>
-                      <a:round/>
-                      <a:headEnd type="none" w="med" len="med"/>
-                      <a:tailEnd type="none" w="med" len="med"/>
-                    </a:lnB>
-                    <a:lnTlToBr w="12700" cmpd="sng">
-                      <a:noFill/>
-                      <a:prstDash val="solid"/>
-                    </a:lnTlToBr>
-                    <a:lnBlToTr w="12700" cmpd="sng">
-                      <a:noFill/>
-                      <a:prstDash val="solid"/>
-                    </a:lnBlToTr>
-                    <a:solidFill>
-                      <a:sysClr val="window" lastClr="FFFFFF"/>
-                    </a:solidFill>
-                  </a:tcPr>
-                </a:tc>
                 <a:tc>
                   <a:txBody>
                     <a:bodyPr/>
@@ -6578,584 +6463,13 @@
                     </a:solidFill>
                   </a:tcPr>
                 </a:tc>
-                <a:tc>
-                  <a:txBody>
-                    <a:bodyPr/>
-                    <a:lstStyle>
-                      <a:lvl1pPr marL="0" algn="l" defTabSz="457200" rtl="0" eaLnBrk="1" latinLnBrk="1" hangingPunct="1">
-                        <a:defRPr sz="1800" b="1" kern="1200">
-                          <a:solidFill>
-                            <a:schemeClr val="tx1"/>
-                          </a:solidFill>
-                          <a:latin typeface="Corbel"/>
-                        </a:defRPr>
-                      </a:lvl1pPr>
-                      <a:lvl2pPr marL="457200" algn="l" defTabSz="457200" rtl="0" eaLnBrk="1" latinLnBrk="1" hangingPunct="1">
-                        <a:defRPr sz="1800" b="1" kern="1200">
-                          <a:solidFill>
-                            <a:schemeClr val="tx1"/>
-                          </a:solidFill>
-                          <a:latin typeface="Corbel"/>
-                        </a:defRPr>
-                      </a:lvl2pPr>
-                      <a:lvl3pPr marL="914400" algn="l" defTabSz="457200" rtl="0" eaLnBrk="1" latinLnBrk="1" hangingPunct="1">
-                        <a:defRPr sz="1800" b="1" kern="1200">
-                          <a:solidFill>
-                            <a:schemeClr val="tx1"/>
-                          </a:solidFill>
-                          <a:latin typeface="Corbel"/>
-                        </a:defRPr>
-                      </a:lvl3pPr>
-                      <a:lvl4pPr marL="1371600" algn="l" defTabSz="457200" rtl="0" eaLnBrk="1" latinLnBrk="1" hangingPunct="1">
-                        <a:defRPr sz="1800" b="1" kern="1200">
-                          <a:solidFill>
-                            <a:schemeClr val="tx1"/>
-                          </a:solidFill>
-                          <a:latin typeface="Corbel"/>
-                        </a:defRPr>
-                      </a:lvl4pPr>
-                      <a:lvl5pPr marL="1828800" algn="l" defTabSz="457200" rtl="0" eaLnBrk="1" latinLnBrk="1" hangingPunct="1">
-                        <a:defRPr sz="1800" b="1" kern="1200">
-                          <a:solidFill>
-                            <a:schemeClr val="tx1"/>
-                          </a:solidFill>
-                          <a:latin typeface="Corbel"/>
-                        </a:defRPr>
-                      </a:lvl5pPr>
-                      <a:lvl6pPr marL="2286000" algn="l" defTabSz="457200" rtl="0" eaLnBrk="1" latinLnBrk="1" hangingPunct="1">
-                        <a:defRPr sz="1800" b="1" kern="1200">
-                          <a:solidFill>
-                            <a:schemeClr val="tx1"/>
-                          </a:solidFill>
-                          <a:latin typeface="Corbel"/>
-                        </a:defRPr>
-                      </a:lvl6pPr>
-                      <a:lvl7pPr marL="2743200" algn="l" defTabSz="457200" rtl="0" eaLnBrk="1" latinLnBrk="1" hangingPunct="1">
-                        <a:defRPr sz="1800" b="1" kern="1200">
-                          <a:solidFill>
-                            <a:schemeClr val="tx1"/>
-                          </a:solidFill>
-                          <a:latin typeface="Corbel"/>
-                        </a:defRPr>
-                      </a:lvl7pPr>
-                      <a:lvl8pPr marL="3200400" algn="l" defTabSz="457200" rtl="0" eaLnBrk="1" latinLnBrk="1" hangingPunct="1">
-                        <a:defRPr sz="1800" b="1" kern="1200">
-                          <a:solidFill>
-                            <a:schemeClr val="tx1"/>
-                          </a:solidFill>
-                          <a:latin typeface="Corbel"/>
-                        </a:defRPr>
-                      </a:lvl8pPr>
-                      <a:lvl9pPr marL="3657600" algn="l" defTabSz="457200" rtl="0" eaLnBrk="1" latinLnBrk="1" hangingPunct="1">
-                        <a:defRPr sz="1800" b="1" kern="1200">
-                          <a:solidFill>
-                            <a:schemeClr val="tx1"/>
-                          </a:solidFill>
-                          <a:latin typeface="Corbel"/>
-                        </a:defRPr>
-                      </a:lvl9pPr>
-                    </a:lstStyle>
-                    <a:p>
-                      <a:pPr algn="ctr" latinLnBrk="1"/>
-                      <a:r>
-                        <a:rPr lang="ko-KR" altLang="en-US" sz="1600" dirty="0">
-                          <a:solidFill>
-                            <a:schemeClr val="bg1"/>
-                          </a:solidFill>
-                          <a:latin typeface="HY견고딕" panose="02030600000101010101" pitchFamily="18" charset="-127"/>
-                          <a:ea typeface="HY견고딕" panose="02030600000101010101" pitchFamily="18" charset="-127"/>
-                        </a:rPr>
-                        <a:t>과제</a:t>
-                      </a:r>
-                    </a:p>
-                  </a:txBody>
-                  <a:tcPr>
-                    <a:lnL w="76200" cap="flat" cmpd="sng" algn="ctr">
-                      <a:solidFill>
-                        <a:sysClr val="windowText" lastClr="000000"/>
-                      </a:solidFill>
-                      <a:prstDash val="solid"/>
-                      <a:round/>
-                      <a:headEnd type="none" w="med" len="med"/>
-                      <a:tailEnd type="none" w="med" len="med"/>
-                    </a:lnL>
-                    <a:lnR w="76200" cap="flat" cmpd="sng" algn="ctr">
-                      <a:solidFill>
-                        <a:sysClr val="windowText" lastClr="000000"/>
-                      </a:solidFill>
-                      <a:prstDash val="solid"/>
-                      <a:round/>
-                      <a:headEnd type="none" w="med" len="med"/>
-                      <a:tailEnd type="none" w="med" len="med"/>
-                    </a:lnR>
-                    <a:lnT w="76200" cap="flat" cmpd="sng" algn="ctr">
-                      <a:solidFill>
-                        <a:sysClr val="windowText" lastClr="000000"/>
-                      </a:solidFill>
-                      <a:prstDash val="solid"/>
-                      <a:round/>
-                      <a:headEnd type="none" w="med" len="med"/>
-                      <a:tailEnd type="none" w="med" len="med"/>
-                    </a:lnT>
-                    <a:lnB w="76200" cap="flat" cmpd="sng" algn="ctr">
-                      <a:solidFill>
-                        <a:sysClr val="windowText" lastClr="000000"/>
-                      </a:solidFill>
-                      <a:prstDash val="solid"/>
-                      <a:round/>
-                      <a:headEnd type="none" w="med" len="med"/>
-                      <a:tailEnd type="none" w="med" len="med"/>
-                    </a:lnB>
-                    <a:lnTlToBr w="12700" cmpd="sng">
-                      <a:noFill/>
-                      <a:prstDash val="solid"/>
-                    </a:lnTlToBr>
-                    <a:lnBlToTr w="12700" cmpd="sng">
-                      <a:noFill/>
-                      <a:prstDash val="solid"/>
-                    </a:lnBlToTr>
-                    <a:solidFill>
-                      <a:sysClr val="window" lastClr="FFFFFF"/>
-                    </a:solidFill>
-                  </a:tcPr>
-                </a:tc>
-                <a:tc>
-                  <a:txBody>
-                    <a:bodyPr/>
-                    <a:lstStyle>
-                      <a:lvl1pPr marL="0" algn="l" defTabSz="457200" rtl="0" eaLnBrk="1" latinLnBrk="1" hangingPunct="1">
-                        <a:defRPr sz="1800" b="1" kern="1200">
-                          <a:solidFill>
-                            <a:schemeClr val="tx1"/>
-                          </a:solidFill>
-                          <a:latin typeface="Corbel"/>
-                        </a:defRPr>
-                      </a:lvl1pPr>
-                      <a:lvl2pPr marL="457200" algn="l" defTabSz="457200" rtl="0" eaLnBrk="1" latinLnBrk="1" hangingPunct="1">
-                        <a:defRPr sz="1800" b="1" kern="1200">
-                          <a:solidFill>
-                            <a:schemeClr val="tx1"/>
-                          </a:solidFill>
-                          <a:latin typeface="Corbel"/>
-                        </a:defRPr>
-                      </a:lvl2pPr>
-                      <a:lvl3pPr marL="914400" algn="l" defTabSz="457200" rtl="0" eaLnBrk="1" latinLnBrk="1" hangingPunct="1">
-                        <a:defRPr sz="1800" b="1" kern="1200">
-                          <a:solidFill>
-                            <a:schemeClr val="tx1"/>
-                          </a:solidFill>
-                          <a:latin typeface="Corbel"/>
-                        </a:defRPr>
-                      </a:lvl3pPr>
-                      <a:lvl4pPr marL="1371600" algn="l" defTabSz="457200" rtl="0" eaLnBrk="1" latinLnBrk="1" hangingPunct="1">
-                        <a:defRPr sz="1800" b="1" kern="1200">
-                          <a:solidFill>
-                            <a:schemeClr val="tx1"/>
-                          </a:solidFill>
-                          <a:latin typeface="Corbel"/>
-                        </a:defRPr>
-                      </a:lvl4pPr>
-                      <a:lvl5pPr marL="1828800" algn="l" defTabSz="457200" rtl="0" eaLnBrk="1" latinLnBrk="1" hangingPunct="1">
-                        <a:defRPr sz="1800" b="1" kern="1200">
-                          <a:solidFill>
-                            <a:schemeClr val="tx1"/>
-                          </a:solidFill>
-                          <a:latin typeface="Corbel"/>
-                        </a:defRPr>
-                      </a:lvl5pPr>
-                      <a:lvl6pPr marL="2286000" algn="l" defTabSz="457200" rtl="0" eaLnBrk="1" latinLnBrk="1" hangingPunct="1">
-                        <a:defRPr sz="1800" b="1" kern="1200">
-                          <a:solidFill>
-                            <a:schemeClr val="tx1"/>
-                          </a:solidFill>
-                          <a:latin typeface="Corbel"/>
-                        </a:defRPr>
-                      </a:lvl6pPr>
-                      <a:lvl7pPr marL="2743200" algn="l" defTabSz="457200" rtl="0" eaLnBrk="1" latinLnBrk="1" hangingPunct="1">
-                        <a:defRPr sz="1800" b="1" kern="1200">
-                          <a:solidFill>
-                            <a:schemeClr val="tx1"/>
-                          </a:solidFill>
-                          <a:latin typeface="Corbel"/>
-                        </a:defRPr>
-                      </a:lvl7pPr>
-                      <a:lvl8pPr marL="3200400" algn="l" defTabSz="457200" rtl="0" eaLnBrk="1" latinLnBrk="1" hangingPunct="1">
-                        <a:defRPr sz="1800" b="1" kern="1200">
-                          <a:solidFill>
-                            <a:schemeClr val="tx1"/>
-                          </a:solidFill>
-                          <a:latin typeface="Corbel"/>
-                        </a:defRPr>
-                      </a:lvl8pPr>
-                      <a:lvl9pPr marL="3657600" algn="l" defTabSz="457200" rtl="0" eaLnBrk="1" latinLnBrk="1" hangingPunct="1">
-                        <a:defRPr sz="1800" b="1" kern="1200">
-                          <a:solidFill>
-                            <a:schemeClr val="tx1"/>
-                          </a:solidFill>
-                          <a:latin typeface="Corbel"/>
-                        </a:defRPr>
-                      </a:lvl9pPr>
-                    </a:lstStyle>
-                    <a:p>
-                      <a:pPr algn="ctr" latinLnBrk="1"/>
-                      <a:r>
-                        <a:rPr lang="ko-KR" altLang="en-US" sz="1600" dirty="0">
-                          <a:solidFill>
-                            <a:schemeClr val="bg1"/>
-                          </a:solidFill>
-                          <a:latin typeface="HY견고딕" panose="02030600000101010101" pitchFamily="18" charset="-127"/>
-                          <a:ea typeface="HY견고딕" panose="02030600000101010101" pitchFamily="18" charset="-127"/>
-                        </a:rPr>
-                        <a:t>제출일</a:t>
-                      </a:r>
-                    </a:p>
-                  </a:txBody>
-                  <a:tcPr>
-                    <a:lnL w="76200" cap="flat" cmpd="sng" algn="ctr">
-                      <a:solidFill>
-                        <a:sysClr val="windowText" lastClr="000000"/>
-                      </a:solidFill>
-                      <a:prstDash val="solid"/>
-                      <a:round/>
-                      <a:headEnd type="none" w="med" len="med"/>
-                      <a:tailEnd type="none" w="med" len="med"/>
-                    </a:lnL>
-                    <a:lnR w="76200" cap="flat" cmpd="sng" algn="ctr">
-                      <a:solidFill>
-                        <a:sysClr val="windowText" lastClr="000000"/>
-                      </a:solidFill>
-                      <a:prstDash val="solid"/>
-                      <a:round/>
-                      <a:headEnd type="none" w="med" len="med"/>
-                      <a:tailEnd type="none" w="med" len="med"/>
-                    </a:lnR>
-                    <a:lnT w="76200" cap="flat" cmpd="sng" algn="ctr">
-                      <a:solidFill>
-                        <a:sysClr val="windowText" lastClr="000000"/>
-                      </a:solidFill>
-                      <a:prstDash val="solid"/>
-                      <a:round/>
-                      <a:headEnd type="none" w="med" len="med"/>
-                      <a:tailEnd type="none" w="med" len="med"/>
-                    </a:lnT>
-                    <a:lnB w="76200" cap="flat" cmpd="sng" algn="ctr">
-                      <a:solidFill>
-                        <a:sysClr val="windowText" lastClr="000000"/>
-                      </a:solidFill>
-                      <a:prstDash val="solid"/>
-                      <a:round/>
-                      <a:headEnd type="none" w="med" len="med"/>
-                      <a:tailEnd type="none" w="med" len="med"/>
-                    </a:lnB>
-                    <a:lnTlToBr w="12700" cmpd="sng">
-                      <a:noFill/>
-                      <a:prstDash val="solid"/>
-                    </a:lnTlToBr>
-                    <a:lnBlToTr w="12700" cmpd="sng">
-                      <a:noFill/>
-                      <a:prstDash val="solid"/>
-                    </a:lnBlToTr>
-                    <a:solidFill>
-                      <a:sysClr val="window" lastClr="FFFFFF"/>
-                    </a:solidFill>
-                  </a:tcPr>
-                </a:tc>
-                <a:tc>
-                  <a:txBody>
-                    <a:bodyPr/>
-                    <a:lstStyle>
-                      <a:lvl1pPr marL="0" algn="l" defTabSz="457200" rtl="0" eaLnBrk="1" latinLnBrk="1" hangingPunct="1">
-                        <a:defRPr sz="1800" b="1" kern="1200">
-                          <a:solidFill>
-                            <a:schemeClr val="tx1"/>
-                          </a:solidFill>
-                          <a:latin typeface="Corbel"/>
-                        </a:defRPr>
-                      </a:lvl1pPr>
-                      <a:lvl2pPr marL="457200" algn="l" defTabSz="457200" rtl="0" eaLnBrk="1" latinLnBrk="1" hangingPunct="1">
-                        <a:defRPr sz="1800" b="1" kern="1200">
-                          <a:solidFill>
-                            <a:schemeClr val="tx1"/>
-                          </a:solidFill>
-                          <a:latin typeface="Corbel"/>
-                        </a:defRPr>
-                      </a:lvl2pPr>
-                      <a:lvl3pPr marL="914400" algn="l" defTabSz="457200" rtl="0" eaLnBrk="1" latinLnBrk="1" hangingPunct="1">
-                        <a:defRPr sz="1800" b="1" kern="1200">
-                          <a:solidFill>
-                            <a:schemeClr val="tx1"/>
-                          </a:solidFill>
-                          <a:latin typeface="Corbel"/>
-                        </a:defRPr>
-                      </a:lvl3pPr>
-                      <a:lvl4pPr marL="1371600" algn="l" defTabSz="457200" rtl="0" eaLnBrk="1" latinLnBrk="1" hangingPunct="1">
-                        <a:defRPr sz="1800" b="1" kern="1200">
-                          <a:solidFill>
-                            <a:schemeClr val="tx1"/>
-                          </a:solidFill>
-                          <a:latin typeface="Corbel"/>
-                        </a:defRPr>
-                      </a:lvl4pPr>
-                      <a:lvl5pPr marL="1828800" algn="l" defTabSz="457200" rtl="0" eaLnBrk="1" latinLnBrk="1" hangingPunct="1">
-                        <a:defRPr sz="1800" b="1" kern="1200">
-                          <a:solidFill>
-                            <a:schemeClr val="tx1"/>
-                          </a:solidFill>
-                          <a:latin typeface="Corbel"/>
-                        </a:defRPr>
-                      </a:lvl5pPr>
-                      <a:lvl6pPr marL="2286000" algn="l" defTabSz="457200" rtl="0" eaLnBrk="1" latinLnBrk="1" hangingPunct="1">
-                        <a:defRPr sz="1800" b="1" kern="1200">
-                          <a:solidFill>
-                            <a:schemeClr val="tx1"/>
-                          </a:solidFill>
-                          <a:latin typeface="Corbel"/>
-                        </a:defRPr>
-                      </a:lvl6pPr>
-                      <a:lvl7pPr marL="2743200" algn="l" defTabSz="457200" rtl="0" eaLnBrk="1" latinLnBrk="1" hangingPunct="1">
-                        <a:defRPr sz="1800" b="1" kern="1200">
-                          <a:solidFill>
-                            <a:schemeClr val="tx1"/>
-                          </a:solidFill>
-                          <a:latin typeface="Corbel"/>
-                        </a:defRPr>
-                      </a:lvl7pPr>
-                      <a:lvl8pPr marL="3200400" algn="l" defTabSz="457200" rtl="0" eaLnBrk="1" latinLnBrk="1" hangingPunct="1">
-                        <a:defRPr sz="1800" b="1" kern="1200">
-                          <a:solidFill>
-                            <a:schemeClr val="tx1"/>
-                          </a:solidFill>
-                          <a:latin typeface="Corbel"/>
-                        </a:defRPr>
-                      </a:lvl8pPr>
-                      <a:lvl9pPr marL="3657600" algn="l" defTabSz="457200" rtl="0" eaLnBrk="1" latinLnBrk="1" hangingPunct="1">
-                        <a:defRPr sz="1800" b="1" kern="1200">
-                          <a:solidFill>
-                            <a:schemeClr val="tx1"/>
-                          </a:solidFill>
-                          <a:latin typeface="Corbel"/>
-                        </a:defRPr>
-                      </a:lvl9pPr>
-                    </a:lstStyle>
-                    <a:p>
-                      <a:pPr algn="ctr" latinLnBrk="1"/>
-                      <a:r>
-                        <a:rPr lang="ko-KR" altLang="en-US" sz="1600" dirty="0">
-                          <a:solidFill>
-                            <a:schemeClr val="bg1"/>
-                          </a:solidFill>
-                          <a:latin typeface="HY견고딕" panose="02030600000101010101" pitchFamily="18" charset="-127"/>
-                          <a:ea typeface="HY견고딕" panose="02030600000101010101" pitchFamily="18" charset="-127"/>
-                        </a:rPr>
-                        <a:t>연락처</a:t>
-                      </a:r>
-                    </a:p>
-                  </a:txBody>
-                  <a:tcPr>
-                    <a:lnL w="76200" cap="flat" cmpd="sng" algn="ctr">
-                      <a:solidFill>
-                        <a:sysClr val="windowText" lastClr="000000"/>
-                      </a:solidFill>
-                      <a:prstDash val="solid"/>
-                      <a:round/>
-                      <a:headEnd type="none" w="med" len="med"/>
-                      <a:tailEnd type="none" w="med" len="med"/>
-                    </a:lnL>
-                    <a:lnR w="76200" cap="flat" cmpd="sng" algn="ctr">
-                      <a:solidFill>
-                        <a:sysClr val="windowText" lastClr="000000"/>
-                      </a:solidFill>
-                      <a:prstDash val="solid"/>
-                      <a:round/>
-                      <a:headEnd type="none" w="med" len="med"/>
-                      <a:tailEnd type="none" w="med" len="med"/>
-                    </a:lnR>
-                    <a:lnT w="76200" cap="flat" cmpd="sng" algn="ctr">
-                      <a:solidFill>
-                        <a:sysClr val="windowText" lastClr="000000"/>
-                      </a:solidFill>
-                      <a:prstDash val="solid"/>
-                      <a:round/>
-                      <a:headEnd type="none" w="med" len="med"/>
-                      <a:tailEnd type="none" w="med" len="med"/>
-                    </a:lnT>
-                    <a:lnB w="76200" cap="flat" cmpd="sng" algn="ctr">
-                      <a:solidFill>
-                        <a:sysClr val="windowText" lastClr="000000"/>
-                      </a:solidFill>
-                      <a:prstDash val="solid"/>
-                      <a:round/>
-                      <a:headEnd type="none" w="med" len="med"/>
-                      <a:tailEnd type="none" w="med" len="med"/>
-                    </a:lnB>
-                    <a:lnTlToBr w="12700" cmpd="sng">
-                      <a:noFill/>
-                      <a:prstDash val="solid"/>
-                    </a:lnTlToBr>
-                    <a:lnBlToTr w="12700" cmpd="sng">
-                      <a:noFill/>
-                      <a:prstDash val="solid"/>
-                    </a:lnBlToTr>
-                    <a:solidFill>
-                      <a:sysClr val="window" lastClr="FFFFFF"/>
-                    </a:solidFill>
-                  </a:tcPr>
-                </a:tc>
                 <a:extLst>
                   <a:ext uri="{0D108BD9-81ED-4DB2-BD59-A6C34878D82A}">
                     <a16:rowId xmlns:a16="http://schemas.microsoft.com/office/drawing/2014/main" val="3436340983"/>
                   </a:ext>
                 </a:extLst>
               </a:tr>
-              <a:tr h="286084">
-                <a:tc>
-                  <a:txBody>
-                    <a:bodyPr/>
-                    <a:lstStyle>
-                      <a:lvl1pPr marL="0" algn="l" defTabSz="457200" rtl="0" eaLnBrk="1" latinLnBrk="1" hangingPunct="1">
-                        <a:defRPr sz="1800" kern="1200">
-                          <a:solidFill>
-                            <a:schemeClr val="tx1"/>
-                          </a:solidFill>
-                          <a:latin typeface="Corbel"/>
-                        </a:defRPr>
-                      </a:lvl1pPr>
-                      <a:lvl2pPr marL="457200" algn="l" defTabSz="457200" rtl="0" eaLnBrk="1" latinLnBrk="1" hangingPunct="1">
-                        <a:defRPr sz="1800" kern="1200">
-                          <a:solidFill>
-                            <a:schemeClr val="tx1"/>
-                          </a:solidFill>
-                          <a:latin typeface="Corbel"/>
-                        </a:defRPr>
-                      </a:lvl2pPr>
-                      <a:lvl3pPr marL="914400" algn="l" defTabSz="457200" rtl="0" eaLnBrk="1" latinLnBrk="1" hangingPunct="1">
-                        <a:defRPr sz="1800" kern="1200">
-                          <a:solidFill>
-                            <a:schemeClr val="tx1"/>
-                          </a:solidFill>
-                          <a:latin typeface="Corbel"/>
-                        </a:defRPr>
-                      </a:lvl3pPr>
-                      <a:lvl4pPr marL="1371600" algn="l" defTabSz="457200" rtl="0" eaLnBrk="1" latinLnBrk="1" hangingPunct="1">
-                        <a:defRPr sz="1800" kern="1200">
-                          <a:solidFill>
-                            <a:schemeClr val="tx1"/>
-                          </a:solidFill>
-                          <a:latin typeface="Corbel"/>
-                        </a:defRPr>
-                      </a:lvl4pPr>
-                      <a:lvl5pPr marL="1828800" algn="l" defTabSz="457200" rtl="0" eaLnBrk="1" latinLnBrk="1" hangingPunct="1">
-                        <a:defRPr sz="1800" kern="1200">
-                          <a:solidFill>
-                            <a:schemeClr val="tx1"/>
-                          </a:solidFill>
-                          <a:latin typeface="Corbel"/>
-                        </a:defRPr>
-                      </a:lvl5pPr>
-                      <a:lvl6pPr marL="2286000" algn="l" defTabSz="457200" rtl="0" eaLnBrk="1" latinLnBrk="1" hangingPunct="1">
-                        <a:defRPr sz="1800" kern="1200">
-                          <a:solidFill>
-                            <a:schemeClr val="tx1"/>
-                          </a:solidFill>
-                          <a:latin typeface="Corbel"/>
-                        </a:defRPr>
-                      </a:lvl6pPr>
-                      <a:lvl7pPr marL="2743200" algn="l" defTabSz="457200" rtl="0" eaLnBrk="1" latinLnBrk="1" hangingPunct="1">
-                        <a:defRPr sz="1800" kern="1200">
-                          <a:solidFill>
-                            <a:schemeClr val="tx1"/>
-                          </a:solidFill>
-                          <a:latin typeface="Corbel"/>
-                        </a:defRPr>
-                      </a:lvl7pPr>
-                      <a:lvl8pPr marL="3200400" algn="l" defTabSz="457200" rtl="0" eaLnBrk="1" latinLnBrk="1" hangingPunct="1">
-                        <a:defRPr sz="1800" kern="1200">
-                          <a:solidFill>
-                            <a:schemeClr val="tx1"/>
-                          </a:solidFill>
-                          <a:latin typeface="Corbel"/>
-                        </a:defRPr>
-                      </a:lvl8pPr>
-                      <a:lvl9pPr marL="3657600" algn="l" defTabSz="457200" rtl="0" eaLnBrk="1" latinLnBrk="1" hangingPunct="1">
-                        <a:defRPr sz="1800" kern="1200">
-                          <a:solidFill>
-                            <a:schemeClr val="tx1"/>
-                          </a:solidFill>
-                          <a:latin typeface="Corbel"/>
-                        </a:defRPr>
-                      </a:lvl9pPr>
-                    </a:lstStyle>
-                    <a:p>
-                      <a:pPr algn="ctr" latinLnBrk="1"/>
-                      <a:r>
-                        <a:rPr lang="en-US" altLang="ko-KR" sz="1600" dirty="0">
-                          <a:solidFill>
-                            <a:schemeClr val="bg1"/>
-                          </a:solidFill>
-                          <a:latin typeface="HY견고딕" panose="02030600000101010101" pitchFamily="18" charset="-127"/>
-                          <a:ea typeface="HY견고딕" panose="02030600000101010101" pitchFamily="18" charset="-127"/>
-                        </a:rPr>
-                        <a:t>02</a:t>
-                      </a:r>
-                      <a:endParaRPr lang="ko-KR" altLang="en-US" sz="1600" dirty="0">
-                        <a:solidFill>
-                          <a:schemeClr val="bg1"/>
-                        </a:solidFill>
-                        <a:latin typeface="HY견고딕" panose="02030600000101010101" pitchFamily="18" charset="-127"/>
-                        <a:ea typeface="HY견고딕" panose="02030600000101010101" pitchFamily="18" charset="-127"/>
-                      </a:endParaRPr>
-                    </a:p>
-                  </a:txBody>
-                  <a:tcPr>
-                    <a:lnL w="76200" cap="flat" cmpd="sng" algn="ctr">
-                      <a:solidFill>
-                        <a:sysClr val="windowText" lastClr="000000"/>
-                      </a:solidFill>
-                      <a:prstDash val="solid"/>
-                      <a:round/>
-                      <a:headEnd type="none" w="med" len="med"/>
-                      <a:tailEnd type="none" w="med" len="med"/>
-                    </a:lnL>
-                    <a:lnR w="76200" cap="flat" cmpd="sng" algn="ctr">
-                      <a:solidFill>
-                        <a:sysClr val="windowText" lastClr="000000"/>
-                      </a:solidFill>
-                      <a:prstDash val="solid"/>
-                      <a:round/>
-                      <a:headEnd type="none" w="med" len="med"/>
-                      <a:tailEnd type="none" w="med" len="med"/>
-                    </a:lnR>
-                    <a:lnT w="76200" cap="flat" cmpd="sng" algn="ctr">
-                      <a:solidFill>
-                        <a:sysClr val="windowText" lastClr="000000"/>
-                      </a:solidFill>
-                      <a:prstDash val="solid"/>
-                      <a:round/>
-                      <a:headEnd type="none" w="med" len="med"/>
-                      <a:tailEnd type="none" w="med" len="med"/>
-                    </a:lnT>
-                    <a:lnB w="76200" cap="flat" cmpd="sng" algn="ctr">
-                      <a:solidFill>
-                        <a:sysClr val="windowText" lastClr="000000"/>
-                      </a:solidFill>
-                      <a:prstDash val="solid"/>
-                      <a:round/>
-                      <a:headEnd type="none" w="med" len="med"/>
-                      <a:tailEnd type="none" w="med" len="med"/>
-                    </a:lnB>
-                    <a:lnTlToBr w="12700" cmpd="sng">
-                      <a:noFill/>
-                      <a:prstDash val="solid"/>
-                    </a:lnTlToBr>
-                    <a:lnBlToTr w="12700" cmpd="sng">
-                      <a:noFill/>
-                      <a:prstDash val="solid"/>
-                    </a:lnBlToTr>
-                    <a:solidFill>
-                      <a:sysClr val="window" lastClr="FFFFFF"/>
-                    </a:solidFill>
-                  </a:tcPr>
-                </a:tc>
+              <a:tr h="0">
                 <a:tc>
                   <a:txBody>
                     <a:bodyPr/>
@@ -7384,7 +6698,7 @@
                     <a:p>
                       <a:pPr algn="ctr" latinLnBrk="1"/>
                       <a:r>
-                        <a:rPr lang="ko-KR" altLang="en-US" sz="1600" dirty="0">
+                        <a:rPr lang="ko-KR" altLang="en-US" sz="1400" dirty="0">
                           <a:solidFill>
                             <a:schemeClr val="bg1"/>
                           </a:solidFill>
@@ -7445,224 +6759,17 @@
                     </a:solidFill>
                   </a:tcPr>
                 </a:tc>
+                <a:extLst>
+                  <a:ext uri="{0D108BD9-81ED-4DB2-BD59-A6C34878D82A}">
+                    <a16:rowId xmlns:a16="http://schemas.microsoft.com/office/drawing/2014/main" val="3012156304"/>
+                  </a:ext>
+                </a:extLst>
+              </a:tr>
+              <a:tr h="223520">
                 <a:tc>
                   <a:txBody>
                     <a:bodyPr/>
-                    <a:lstStyle>
-                      <a:lvl1pPr marL="0" algn="l" defTabSz="457200" rtl="0" eaLnBrk="1" latinLnBrk="1" hangingPunct="1">
-                        <a:defRPr sz="1800" kern="1200">
-                          <a:solidFill>
-                            <a:schemeClr val="tx1"/>
-                          </a:solidFill>
-                          <a:latin typeface="Corbel"/>
-                        </a:defRPr>
-                      </a:lvl1pPr>
-                      <a:lvl2pPr marL="457200" algn="l" defTabSz="457200" rtl="0" eaLnBrk="1" latinLnBrk="1" hangingPunct="1">
-                        <a:defRPr sz="1800" kern="1200">
-                          <a:solidFill>
-                            <a:schemeClr val="tx1"/>
-                          </a:solidFill>
-                          <a:latin typeface="Corbel"/>
-                        </a:defRPr>
-                      </a:lvl2pPr>
-                      <a:lvl3pPr marL="914400" algn="l" defTabSz="457200" rtl="0" eaLnBrk="1" latinLnBrk="1" hangingPunct="1">
-                        <a:defRPr sz="1800" kern="1200">
-                          <a:solidFill>
-                            <a:schemeClr val="tx1"/>
-                          </a:solidFill>
-                          <a:latin typeface="Corbel"/>
-                        </a:defRPr>
-                      </a:lvl3pPr>
-                      <a:lvl4pPr marL="1371600" algn="l" defTabSz="457200" rtl="0" eaLnBrk="1" latinLnBrk="1" hangingPunct="1">
-                        <a:defRPr sz="1800" kern="1200">
-                          <a:solidFill>
-                            <a:schemeClr val="tx1"/>
-                          </a:solidFill>
-                          <a:latin typeface="Corbel"/>
-                        </a:defRPr>
-                      </a:lvl4pPr>
-                      <a:lvl5pPr marL="1828800" algn="l" defTabSz="457200" rtl="0" eaLnBrk="1" latinLnBrk="1" hangingPunct="1">
-                        <a:defRPr sz="1800" kern="1200">
-                          <a:solidFill>
-                            <a:schemeClr val="tx1"/>
-                          </a:solidFill>
-                          <a:latin typeface="Corbel"/>
-                        </a:defRPr>
-                      </a:lvl5pPr>
-                      <a:lvl6pPr marL="2286000" algn="l" defTabSz="457200" rtl="0" eaLnBrk="1" latinLnBrk="1" hangingPunct="1">
-                        <a:defRPr sz="1800" kern="1200">
-                          <a:solidFill>
-                            <a:schemeClr val="tx1"/>
-                          </a:solidFill>
-                          <a:latin typeface="Corbel"/>
-                        </a:defRPr>
-                      </a:lvl6pPr>
-                      <a:lvl7pPr marL="2743200" algn="l" defTabSz="457200" rtl="0" eaLnBrk="1" latinLnBrk="1" hangingPunct="1">
-                        <a:defRPr sz="1800" kern="1200">
-                          <a:solidFill>
-                            <a:schemeClr val="tx1"/>
-                          </a:solidFill>
-                          <a:latin typeface="Corbel"/>
-                        </a:defRPr>
-                      </a:lvl7pPr>
-                      <a:lvl8pPr marL="3200400" algn="l" defTabSz="457200" rtl="0" eaLnBrk="1" latinLnBrk="1" hangingPunct="1">
-                        <a:defRPr sz="1800" kern="1200">
-                          <a:solidFill>
-                            <a:schemeClr val="tx1"/>
-                          </a:solidFill>
-                          <a:latin typeface="Corbel"/>
-                        </a:defRPr>
-                      </a:lvl8pPr>
-                      <a:lvl9pPr marL="3657600" algn="l" defTabSz="457200" rtl="0" eaLnBrk="1" latinLnBrk="1" hangingPunct="1">
-                        <a:defRPr sz="1800" kern="1200">
-                          <a:solidFill>
-                            <a:schemeClr val="tx1"/>
-                          </a:solidFill>
-                          <a:latin typeface="Corbel"/>
-                        </a:defRPr>
-                      </a:lvl9pPr>
-                    </a:lstStyle>
-                    <a:p>
-                      <a:pPr algn="ctr" latinLnBrk="1"/>
-                      <a:r>
-                        <a:rPr lang="ko-KR" altLang="en-US" sz="1400" dirty="0">
-                          <a:solidFill>
-                            <a:schemeClr val="bg1"/>
-                          </a:solidFill>
-                          <a:latin typeface="HY견고딕" panose="02030600000101010101" pitchFamily="18" charset="-127"/>
-                          <a:ea typeface="HY견고딕" panose="02030600000101010101" pitchFamily="18" charset="-127"/>
-                        </a:rPr>
-                        <a:t>제안서 및 학업계획서</a:t>
-                      </a:r>
-                    </a:p>
-                  </a:txBody>
-                  <a:tcPr>
-                    <a:lnL w="76200" cap="flat" cmpd="sng" algn="ctr">
-                      <a:solidFill>
-                        <a:sysClr val="windowText" lastClr="000000"/>
-                      </a:solidFill>
-                      <a:prstDash val="solid"/>
-                      <a:round/>
-                      <a:headEnd type="none" w="med" len="med"/>
-                      <a:tailEnd type="none" w="med" len="med"/>
-                    </a:lnL>
-                    <a:lnR w="76200" cap="flat" cmpd="sng" algn="ctr">
-                      <a:solidFill>
-                        <a:sysClr val="windowText" lastClr="000000"/>
-                      </a:solidFill>
-                      <a:prstDash val="solid"/>
-                      <a:round/>
-                      <a:headEnd type="none" w="med" len="med"/>
-                      <a:tailEnd type="none" w="med" len="med"/>
-                    </a:lnR>
-                    <a:lnT w="76200" cap="flat" cmpd="sng" algn="ctr">
-                      <a:solidFill>
-                        <a:sysClr val="windowText" lastClr="000000"/>
-                      </a:solidFill>
-                      <a:prstDash val="solid"/>
-                      <a:round/>
-                      <a:headEnd type="none" w="med" len="med"/>
-                      <a:tailEnd type="none" w="med" len="med"/>
-                    </a:lnT>
-                    <a:lnB w="76200" cap="flat" cmpd="sng" algn="ctr">
-                      <a:solidFill>
-                        <a:sysClr val="windowText" lastClr="000000"/>
-                      </a:solidFill>
-                      <a:prstDash val="solid"/>
-                      <a:round/>
-                      <a:headEnd type="none" w="med" len="med"/>
-                      <a:tailEnd type="none" w="med" len="med"/>
-                    </a:lnB>
-                    <a:lnTlToBr w="12700" cmpd="sng">
-                      <a:noFill/>
-                      <a:prstDash val="solid"/>
-                    </a:lnTlToBr>
-                    <a:lnBlToTr w="12700" cmpd="sng">
-                      <a:noFill/>
-                      <a:prstDash val="solid"/>
-                    </a:lnBlToTr>
-                    <a:solidFill>
-                      <a:sysClr val="window" lastClr="FFFFFF"/>
-                    </a:solidFill>
-                  </a:tcPr>
-                </a:tc>
-                <a:tc>
-                  <a:txBody>
-                    <a:bodyPr/>
-                    <a:lstStyle>
-                      <a:lvl1pPr marL="0" algn="l" defTabSz="457200" rtl="0" eaLnBrk="1" latinLnBrk="1" hangingPunct="1">
-                        <a:defRPr sz="1800" kern="1200">
-                          <a:solidFill>
-                            <a:schemeClr val="tx1"/>
-                          </a:solidFill>
-                          <a:latin typeface="Corbel"/>
-                        </a:defRPr>
-                      </a:lvl1pPr>
-                      <a:lvl2pPr marL="457200" algn="l" defTabSz="457200" rtl="0" eaLnBrk="1" latinLnBrk="1" hangingPunct="1">
-                        <a:defRPr sz="1800" kern="1200">
-                          <a:solidFill>
-                            <a:schemeClr val="tx1"/>
-                          </a:solidFill>
-                          <a:latin typeface="Corbel"/>
-                        </a:defRPr>
-                      </a:lvl2pPr>
-                      <a:lvl3pPr marL="914400" algn="l" defTabSz="457200" rtl="0" eaLnBrk="1" latinLnBrk="1" hangingPunct="1">
-                        <a:defRPr sz="1800" kern="1200">
-                          <a:solidFill>
-                            <a:schemeClr val="tx1"/>
-                          </a:solidFill>
-                          <a:latin typeface="Corbel"/>
-                        </a:defRPr>
-                      </a:lvl3pPr>
-                      <a:lvl4pPr marL="1371600" algn="l" defTabSz="457200" rtl="0" eaLnBrk="1" latinLnBrk="1" hangingPunct="1">
-                        <a:defRPr sz="1800" kern="1200">
-                          <a:solidFill>
-                            <a:schemeClr val="tx1"/>
-                          </a:solidFill>
-                          <a:latin typeface="Corbel"/>
-                        </a:defRPr>
-                      </a:lvl4pPr>
-                      <a:lvl5pPr marL="1828800" algn="l" defTabSz="457200" rtl="0" eaLnBrk="1" latinLnBrk="1" hangingPunct="1">
-                        <a:defRPr sz="1800" kern="1200">
-                          <a:solidFill>
-                            <a:schemeClr val="tx1"/>
-                          </a:solidFill>
-                          <a:latin typeface="Corbel"/>
-                        </a:defRPr>
-                      </a:lvl5pPr>
-                      <a:lvl6pPr marL="2286000" algn="l" defTabSz="457200" rtl="0" eaLnBrk="1" latinLnBrk="1" hangingPunct="1">
-                        <a:defRPr sz="1800" kern="1200">
-                          <a:solidFill>
-                            <a:schemeClr val="tx1"/>
-                          </a:solidFill>
-                          <a:latin typeface="Corbel"/>
-                        </a:defRPr>
-                      </a:lvl6pPr>
-                      <a:lvl7pPr marL="2743200" algn="l" defTabSz="457200" rtl="0" eaLnBrk="1" latinLnBrk="1" hangingPunct="1">
-                        <a:defRPr sz="1800" kern="1200">
-                          <a:solidFill>
-                            <a:schemeClr val="tx1"/>
-                          </a:solidFill>
-                          <a:latin typeface="Corbel"/>
-                        </a:defRPr>
-                      </a:lvl7pPr>
-                      <a:lvl8pPr marL="3200400" algn="l" defTabSz="457200" rtl="0" eaLnBrk="1" latinLnBrk="1" hangingPunct="1">
-                        <a:defRPr sz="1800" kern="1200">
-                          <a:solidFill>
-                            <a:schemeClr val="tx1"/>
-                          </a:solidFill>
-                          <a:latin typeface="Corbel"/>
-                        </a:defRPr>
-                      </a:lvl8pPr>
-                      <a:lvl9pPr marL="3657600" algn="l" defTabSz="457200" rtl="0" eaLnBrk="1" latinLnBrk="1" hangingPunct="1">
-                        <a:defRPr sz="1800" kern="1200">
-                          <a:solidFill>
-                            <a:schemeClr val="tx1"/>
-                          </a:solidFill>
-                          <a:latin typeface="Corbel"/>
-                        </a:defRPr>
-                      </a:lvl9pPr>
-                    </a:lstStyle>
+                    <a:lstStyle/>
                     <a:p>
                       <a:pPr algn="ctr" latinLnBrk="1"/>
                       <a:r>
@@ -7673,7 +6780,7 @@
                           <a:latin typeface="HY견고딕" panose="02030600000101010101" pitchFamily="18" charset="-127"/>
                           <a:ea typeface="HY견고딕" panose="02030600000101010101" pitchFamily="18" charset="-127"/>
                         </a:rPr>
-                        <a:t>2023-09-25</a:t>
+                        <a:t>2019182006</a:t>
                       </a:r>
                       <a:endParaRPr lang="ko-KR" altLang="en-US" sz="1600" dirty="0">
                         <a:solidFill>
@@ -7737,80 +6844,89 @@
                 <a:tc>
                   <a:txBody>
                     <a:bodyPr/>
-                    <a:lstStyle>
-                      <a:lvl1pPr marL="0" algn="l" defTabSz="457200" rtl="0" eaLnBrk="1" latinLnBrk="1" hangingPunct="1">
-                        <a:defRPr sz="1800" kern="1200">
+                    <a:lstStyle/>
+                    <a:p>
+                      <a:pPr algn="ctr" latinLnBrk="1"/>
+                      <a:r>
+                        <a:rPr lang="ko-KR" altLang="en-US" sz="1400" dirty="0" err="1">
                           <a:solidFill>
-                            <a:schemeClr val="tx1"/>
+                            <a:schemeClr val="bg1"/>
                           </a:solidFill>
-                          <a:latin typeface="Corbel"/>
-                        </a:defRPr>
-                      </a:lvl1pPr>
-                      <a:lvl2pPr marL="457200" algn="l" defTabSz="457200" rtl="0" eaLnBrk="1" latinLnBrk="1" hangingPunct="1">
-                        <a:defRPr sz="1800" kern="1200">
-                          <a:solidFill>
-                            <a:schemeClr val="tx1"/>
-                          </a:solidFill>
-                          <a:latin typeface="Corbel"/>
-                        </a:defRPr>
-                      </a:lvl2pPr>
-                      <a:lvl3pPr marL="914400" algn="l" defTabSz="457200" rtl="0" eaLnBrk="1" latinLnBrk="1" hangingPunct="1">
-                        <a:defRPr sz="1800" kern="1200">
-                          <a:solidFill>
-                            <a:schemeClr val="tx1"/>
-                          </a:solidFill>
-                          <a:latin typeface="Corbel"/>
-                        </a:defRPr>
-                      </a:lvl3pPr>
-                      <a:lvl4pPr marL="1371600" algn="l" defTabSz="457200" rtl="0" eaLnBrk="1" latinLnBrk="1" hangingPunct="1">
-                        <a:defRPr sz="1800" kern="1200">
-                          <a:solidFill>
-                            <a:schemeClr val="tx1"/>
-                          </a:solidFill>
-                          <a:latin typeface="Corbel"/>
-                        </a:defRPr>
-                      </a:lvl4pPr>
-                      <a:lvl5pPr marL="1828800" algn="l" defTabSz="457200" rtl="0" eaLnBrk="1" latinLnBrk="1" hangingPunct="1">
-                        <a:defRPr sz="1800" kern="1200">
-                          <a:solidFill>
-                            <a:schemeClr val="tx1"/>
-                          </a:solidFill>
-                          <a:latin typeface="Corbel"/>
-                        </a:defRPr>
-                      </a:lvl5pPr>
-                      <a:lvl6pPr marL="2286000" algn="l" defTabSz="457200" rtl="0" eaLnBrk="1" latinLnBrk="1" hangingPunct="1">
-                        <a:defRPr sz="1800" kern="1200">
-                          <a:solidFill>
-                            <a:schemeClr val="tx1"/>
-                          </a:solidFill>
-                          <a:latin typeface="Corbel"/>
-                        </a:defRPr>
-                      </a:lvl6pPr>
-                      <a:lvl7pPr marL="2743200" algn="l" defTabSz="457200" rtl="0" eaLnBrk="1" latinLnBrk="1" hangingPunct="1">
-                        <a:defRPr sz="1800" kern="1200">
-                          <a:solidFill>
-                            <a:schemeClr val="tx1"/>
-                          </a:solidFill>
-                          <a:latin typeface="Corbel"/>
-                        </a:defRPr>
-                      </a:lvl7pPr>
-                      <a:lvl8pPr marL="3200400" algn="l" defTabSz="457200" rtl="0" eaLnBrk="1" latinLnBrk="1" hangingPunct="1">
-                        <a:defRPr sz="1800" kern="1200">
-                          <a:solidFill>
-                            <a:schemeClr val="tx1"/>
-                          </a:solidFill>
-                          <a:latin typeface="Corbel"/>
-                        </a:defRPr>
-                      </a:lvl8pPr>
-                      <a:lvl9pPr marL="3657600" algn="l" defTabSz="457200" rtl="0" eaLnBrk="1" latinLnBrk="1" hangingPunct="1">
-                        <a:defRPr sz="1800" kern="1200">
-                          <a:solidFill>
-                            <a:schemeClr val="tx1"/>
-                          </a:solidFill>
-                          <a:latin typeface="Corbel"/>
-                        </a:defRPr>
-                      </a:lvl9pPr>
-                    </a:lstStyle>
+                          <a:latin typeface="HY견고딕" panose="02030600000101010101" pitchFamily="18" charset="-127"/>
+                          <a:ea typeface="HY견고딕" panose="02030600000101010101" pitchFamily="18" charset="-127"/>
+                        </a:rPr>
+                        <a:t>김동재</a:t>
+                      </a:r>
+                      <a:endParaRPr lang="ko-KR" altLang="en-US" sz="1400" dirty="0">
+                        <a:solidFill>
+                          <a:schemeClr val="bg1"/>
+                        </a:solidFill>
+                        <a:latin typeface="HY견고딕" panose="02030600000101010101" pitchFamily="18" charset="-127"/>
+                        <a:ea typeface="HY견고딕" panose="02030600000101010101" pitchFamily="18" charset="-127"/>
+                      </a:endParaRPr>
+                    </a:p>
+                  </a:txBody>
+                  <a:tcPr>
+                    <a:lnL w="76200" cap="flat" cmpd="sng" algn="ctr">
+                      <a:solidFill>
+                        <a:sysClr val="windowText" lastClr="000000"/>
+                      </a:solidFill>
+                      <a:prstDash val="solid"/>
+                      <a:round/>
+                      <a:headEnd type="none" w="med" len="med"/>
+                      <a:tailEnd type="none" w="med" len="med"/>
+                    </a:lnL>
+                    <a:lnR w="76200" cap="flat" cmpd="sng" algn="ctr">
+                      <a:solidFill>
+                        <a:sysClr val="windowText" lastClr="000000"/>
+                      </a:solidFill>
+                      <a:prstDash val="solid"/>
+                      <a:round/>
+                      <a:headEnd type="none" w="med" len="med"/>
+                      <a:tailEnd type="none" w="med" len="med"/>
+                    </a:lnR>
+                    <a:lnT w="76200" cap="flat" cmpd="sng" algn="ctr">
+                      <a:solidFill>
+                        <a:sysClr val="windowText" lastClr="000000"/>
+                      </a:solidFill>
+                      <a:prstDash val="solid"/>
+                      <a:round/>
+                      <a:headEnd type="none" w="med" len="med"/>
+                      <a:tailEnd type="none" w="med" len="med"/>
+                    </a:lnT>
+                    <a:lnB w="76200" cap="flat" cmpd="sng" algn="ctr">
+                      <a:solidFill>
+                        <a:sysClr val="windowText" lastClr="000000"/>
+                      </a:solidFill>
+                      <a:prstDash val="solid"/>
+                      <a:round/>
+                      <a:headEnd type="none" w="med" len="med"/>
+                      <a:tailEnd type="none" w="med" len="med"/>
+                    </a:lnB>
+                    <a:lnTlToBr w="12700" cmpd="sng">
+                      <a:noFill/>
+                      <a:prstDash val="solid"/>
+                    </a:lnTlToBr>
+                    <a:lnBlToTr w="12700" cmpd="sng">
+                      <a:noFill/>
+                      <a:prstDash val="solid"/>
+                    </a:lnBlToTr>
+                    <a:solidFill>
+                      <a:sysClr val="window" lastClr="FFFFFF"/>
+                    </a:solidFill>
+                  </a:tcPr>
+                </a:tc>
+                <a:extLst>
+                  <a:ext uri="{0D108BD9-81ED-4DB2-BD59-A6C34878D82A}">
+                    <a16:rowId xmlns:a16="http://schemas.microsoft.com/office/drawing/2014/main" val="1575223438"/>
+                  </a:ext>
+                </a:extLst>
+              </a:tr>
+              <a:tr h="0">
+                <a:tc>
+                  <a:txBody>
+                    <a:bodyPr/>
+                    <a:lstStyle/>
                     <a:p>
                       <a:pPr algn="ctr" latinLnBrk="1"/>
                       <a:r>
@@ -7821,7 +6937,7 @@
                           <a:latin typeface="HY견고딕" panose="02030600000101010101" pitchFamily="18" charset="-127"/>
                           <a:ea typeface="HY견고딕" panose="02030600000101010101" pitchFamily="18" charset="-127"/>
                         </a:rPr>
-                        <a:t>???</a:t>
+                        <a:t>2019180017</a:t>
                       </a:r>
                       <a:endParaRPr lang="ko-KR" altLang="en-US" sz="1600" dirty="0">
                         <a:solidFill>
@@ -7882,9 +6998,77 @@
                     </a:solidFill>
                   </a:tcPr>
                 </a:tc>
+                <a:tc>
+                  <a:txBody>
+                    <a:bodyPr/>
+                    <a:lstStyle/>
+                    <a:p>
+                      <a:pPr algn="ctr" latinLnBrk="1"/>
+                      <a:r>
+                        <a:rPr lang="ko-KR" altLang="en-US" sz="1400" dirty="0">
+                          <a:solidFill>
+                            <a:schemeClr val="bg1"/>
+                          </a:solidFill>
+                          <a:latin typeface="HY견고딕" panose="02030600000101010101" pitchFamily="18" charset="-127"/>
+                          <a:ea typeface="HY견고딕" panose="02030600000101010101" pitchFamily="18" charset="-127"/>
+                        </a:rPr>
+                        <a:t>서동우</a:t>
+                      </a:r>
+                    </a:p>
+                  </a:txBody>
+                  <a:tcPr>
+                    <a:lnL w="76200" cap="flat" cmpd="sng" algn="ctr">
+                      <a:solidFill>
+                        <a:sysClr val="windowText" lastClr="000000"/>
+                      </a:solidFill>
+                      <a:prstDash val="solid"/>
+                      <a:round/>
+                      <a:headEnd type="none" w="med" len="med"/>
+                      <a:tailEnd type="none" w="med" len="med"/>
+                    </a:lnL>
+                    <a:lnR w="76200" cap="flat" cmpd="sng" algn="ctr">
+                      <a:solidFill>
+                        <a:sysClr val="windowText" lastClr="000000"/>
+                      </a:solidFill>
+                      <a:prstDash val="solid"/>
+                      <a:round/>
+                      <a:headEnd type="none" w="med" len="med"/>
+                      <a:tailEnd type="none" w="med" len="med"/>
+                    </a:lnR>
+                    <a:lnT w="76200" cap="flat" cmpd="sng" algn="ctr">
+                      <a:solidFill>
+                        <a:sysClr val="windowText" lastClr="000000"/>
+                      </a:solidFill>
+                      <a:prstDash val="solid"/>
+                      <a:round/>
+                      <a:headEnd type="none" w="med" len="med"/>
+                      <a:tailEnd type="none" w="med" len="med"/>
+                    </a:lnT>
+                    <a:lnB w="76200" cap="flat" cmpd="sng" algn="ctr">
+                      <a:solidFill>
+                        <a:sysClr val="windowText" lastClr="000000"/>
+                      </a:solidFill>
+                      <a:prstDash val="solid"/>
+                      <a:round/>
+                      <a:headEnd type="none" w="med" len="med"/>
+                      <a:tailEnd type="none" w="med" len="med"/>
+                    </a:lnB>
+                    <a:lnTlToBr w="12700" cmpd="sng">
+                      <a:noFill/>
+                      <a:prstDash val="solid"/>
+                    </a:lnTlToBr>
+                    <a:lnBlToTr w="12700" cmpd="sng">
+                      <a:noFill/>
+                      <a:prstDash val="solid"/>
+                    </a:lnBlToTr>
+                    <a:solidFill>
+                      <a:sysClr val="window" lastClr="FFFFFF"/>
+                    </a:solidFill>
+                  </a:tcPr>
+                </a:tc>
                 <a:extLst>
                   <a:ext uri="{0D108BD9-81ED-4DB2-BD59-A6C34878D82A}">
-                    <a16:rowId xmlns:a16="http://schemas.microsoft.com/office/drawing/2014/main" val="3012156304"/>
+                    <a16:rowId xmlns:a16="http://schemas.microsoft.com/office/drawing/2014/main" val="4195093004"/>
                   </a:ext>
                 </a:extLst>
               </a:tr>
@@ -8025,31 +7209,6 @@
           </a:p>
         </p:txBody>
       </p:sp>
-      <p:sp>
-        <p:nvSpPr>
-          <p:cNvPr id="5" name="부제목 4">
-            <a:extLst>
-              <a:ext uri="{FF2B5EF4-FFF2-40B4-BE49-F238E27FC236}">
-                <a16:creationId xmlns:a16="http://schemas.microsoft.com/office/drawing/2014/main" id="{4844BCC9-6640-6158-04E4-6EB27CED00FA}"/>
-              </a:ext>
-            </a:extLst>
-          </p:cNvPr>
-          <p:cNvSpPr>
-            <a:spLocks noGrp="1"/>
-          </p:cNvSpPr>
-          <p:nvPr>
-            <p:ph type="subTitle" idx="1"/>
-          </p:nvPr>
-        </p:nvSpPr>
-        <p:spPr/>
-        <p:txBody>
-          <a:bodyPr/>
-          <a:lstStyle/>
-          <a:p>
-            <a:endParaRPr lang="ko-KR" altLang="en-US"/>
-          </a:p>
-        </p:txBody>
-      </p:sp>
     </p:spTree>
     <p:extLst>
       <p:ext uri="{BB962C8B-B14F-4D97-AF65-F5344CB8AC3E}">
@@ -8084,15 +7243,10 @@
                             </p:stCondLst>
                             <p:childTnLst>
                               <p:par>
-                                <p:cTn id="5" presetID="10" presetClass="entr" presetSubtype="0" fill="hold" grpId="0" nodeType="withEffect" nodePh="1">
+                                <p:cTn id="5" presetID="10" presetClass="entr" presetSubtype="0" fill="hold" grpId="0" nodeType="withEffect">
                                   <p:stCondLst>
                                     <p:cond delay="1000"/>
                                   </p:stCondLst>
-                                  <p:endCondLst>
-                                    <p:cond evt="begin" delay="0">
-                                      <p:tn val="5"/>
-                                    </p:cond>
-                                  </p:endCondLst>
                                   <p:iterate type="lt">
                                     <p:tmPct val="10000"/>
                                   </p:iterate>
